--- a/xxxxx001_HiSLIP通信の概要と仕組み/350_Table_5_Initialization_Transaction.pptx
+++ b/xxxxx001_HiSLIP通信の概要と仕組み/350_Table_5_Initialization_Transaction.pptx
@@ -223,7 +223,7 @@
           <a:p>
             <a:fld id="{8A4CF053-040B-44B7-89E9-8CB547445B7F}" type="datetimeFigureOut">
               <a:rPr kumimoji="1" lang="ja-JP" altLang="en-US" smtClean="0"/>
-              <a:t>2023/3/12</a:t>
+              <a:t>2023/10/29</a:t>
             </a:fld>
             <a:endParaRPr kumimoji="1" lang="ja-JP" altLang="en-US"/>
           </a:p>
@@ -753,7 +753,7 @@
           <a:p>
             <a:fld id="{450CE236-8E69-46A3-A89B-50E3FB1BE869}" type="datetimeFigureOut">
               <a:rPr kumimoji="1" lang="ja-JP" altLang="en-US" smtClean="0"/>
-              <a:t>2023/3/12</a:t>
+              <a:t>2023/10/29</a:t>
             </a:fld>
             <a:endParaRPr kumimoji="1" lang="ja-JP" altLang="en-US"/>
           </a:p>
@@ -983,7 +983,7 @@
           <a:p>
             <a:fld id="{450CE236-8E69-46A3-A89B-50E3FB1BE869}" type="datetimeFigureOut">
               <a:rPr kumimoji="1" lang="ja-JP" altLang="en-US" smtClean="0"/>
-              <a:t>2023/3/12</a:t>
+              <a:t>2023/10/29</a:t>
             </a:fld>
             <a:endParaRPr kumimoji="1" lang="ja-JP" altLang="en-US"/>
           </a:p>
@@ -1223,7 +1223,7 @@
           <a:p>
             <a:fld id="{450CE236-8E69-46A3-A89B-50E3FB1BE869}" type="datetimeFigureOut">
               <a:rPr kumimoji="1" lang="ja-JP" altLang="en-US" smtClean="0"/>
-              <a:t>2023/3/12</a:t>
+              <a:t>2023/10/29</a:t>
             </a:fld>
             <a:endParaRPr kumimoji="1" lang="ja-JP" altLang="en-US"/>
           </a:p>
@@ -1453,7 +1453,7 @@
           <a:p>
             <a:fld id="{450CE236-8E69-46A3-A89B-50E3FB1BE869}" type="datetimeFigureOut">
               <a:rPr kumimoji="1" lang="ja-JP" altLang="en-US" smtClean="0"/>
-              <a:t>2023/3/12</a:t>
+              <a:t>2023/10/29</a:t>
             </a:fld>
             <a:endParaRPr kumimoji="1" lang="ja-JP" altLang="en-US"/>
           </a:p>
@@ -1728,7 +1728,7 @@
           <a:p>
             <a:fld id="{450CE236-8E69-46A3-A89B-50E3FB1BE869}" type="datetimeFigureOut">
               <a:rPr kumimoji="1" lang="ja-JP" altLang="en-US" smtClean="0"/>
-              <a:t>2023/3/12</a:t>
+              <a:t>2023/10/29</a:t>
             </a:fld>
             <a:endParaRPr kumimoji="1" lang="ja-JP" altLang="en-US"/>
           </a:p>
@@ -2057,7 +2057,7 @@
           <a:p>
             <a:fld id="{450CE236-8E69-46A3-A89B-50E3FB1BE869}" type="datetimeFigureOut">
               <a:rPr kumimoji="1" lang="ja-JP" altLang="en-US" smtClean="0"/>
-              <a:t>2023/3/12</a:t>
+              <a:t>2023/10/29</a:t>
             </a:fld>
             <a:endParaRPr kumimoji="1" lang="ja-JP" altLang="en-US"/>
           </a:p>
@@ -2533,7 +2533,7 @@
           <a:p>
             <a:fld id="{450CE236-8E69-46A3-A89B-50E3FB1BE869}" type="datetimeFigureOut">
               <a:rPr kumimoji="1" lang="ja-JP" altLang="en-US" smtClean="0"/>
-              <a:t>2023/3/12</a:t>
+              <a:t>2023/10/29</a:t>
             </a:fld>
             <a:endParaRPr kumimoji="1" lang="ja-JP" altLang="en-US"/>
           </a:p>
@@ -2674,7 +2674,7 @@
           <a:p>
             <a:fld id="{450CE236-8E69-46A3-A89B-50E3FB1BE869}" type="datetimeFigureOut">
               <a:rPr kumimoji="1" lang="ja-JP" altLang="en-US" smtClean="0"/>
-              <a:t>2023/3/12</a:t>
+              <a:t>2023/10/29</a:t>
             </a:fld>
             <a:endParaRPr kumimoji="1" lang="ja-JP" altLang="en-US"/>
           </a:p>
@@ -2787,7 +2787,7 @@
           <a:p>
             <a:fld id="{450CE236-8E69-46A3-A89B-50E3FB1BE869}" type="datetimeFigureOut">
               <a:rPr kumimoji="1" lang="ja-JP" altLang="en-US" smtClean="0"/>
-              <a:t>2023/3/12</a:t>
+              <a:t>2023/10/29</a:t>
             </a:fld>
             <a:endParaRPr kumimoji="1" lang="ja-JP" altLang="en-US"/>
           </a:p>
@@ -3130,7 +3130,7 @@
           <a:p>
             <a:fld id="{450CE236-8E69-46A3-A89B-50E3FB1BE869}" type="datetimeFigureOut">
               <a:rPr kumimoji="1" lang="ja-JP" altLang="en-US" smtClean="0"/>
-              <a:t>2023/3/12</a:t>
+              <a:t>2023/10/29</a:t>
             </a:fld>
             <a:endParaRPr kumimoji="1" lang="ja-JP" altLang="en-US"/>
           </a:p>
@@ -3418,7 +3418,7 @@
           <a:p>
             <a:fld id="{450CE236-8E69-46A3-A89B-50E3FB1BE869}" type="datetimeFigureOut">
               <a:rPr kumimoji="1" lang="ja-JP" altLang="en-US" smtClean="0"/>
-              <a:t>2023/3/12</a:t>
+              <a:t>2023/10/29</a:t>
             </a:fld>
             <a:endParaRPr kumimoji="1" lang="ja-JP" altLang="en-US"/>
           </a:p>
@@ -3691,7 +3691,7 @@
           <a:p>
             <a:fld id="{450CE236-8E69-46A3-A89B-50E3FB1BE869}" type="datetimeFigureOut">
               <a:rPr kumimoji="1" lang="ja-JP" altLang="en-US" smtClean="0"/>
-              <a:t>2023/3/12</a:t>
+              <a:t>2023/10/29</a:t>
             </a:fld>
             <a:endParaRPr kumimoji="1" lang="ja-JP" altLang="en-US"/>
           </a:p>
